--- a/神羔羊是萬王之王.pptx
+++ b/神羔羊是萬王之王.pptx
@@ -5,8 +5,11 @@
     <p:sldMasterId id="2147483672" r:id="rId1"/>
   </p:sldMasterIdLst>
   <p:sldIdLst>
-    <p:sldId id="256" r:id="rId2"/>
-    <p:sldId id="257" r:id="rId3"/>
+    <p:sldId id="258" r:id="rId2"/>
+    <p:sldId id="259" r:id="rId3"/>
+    <p:sldId id="260" r:id="rId4"/>
+    <p:sldId id="261" r:id="rId5"/>
+    <p:sldId id="262" r:id="rId6"/>
   </p:sldIdLst>
   <p:sldSz cx="12192000" cy="6858000"/>
   <p:notesSz cx="6858000" cy="9144000"/>
@@ -305,7 +308,7 @@
           <a:p>
             <a:fld id="{2135634C-2FAC-4703-B651-C048B2E56F83}" type="datetimeFigureOut">
               <a:rPr lang="en-US" smtClean="0"/>
-              <a:t>4/25/2020</a:t>
+              <a:t>6/18/2022</a:t>
             </a:fld>
             <a:endParaRPr lang="en-US"/>
           </a:p>
@@ -475,7 +478,7 @@
           <a:p>
             <a:fld id="{2135634C-2FAC-4703-B651-C048B2E56F83}" type="datetimeFigureOut">
               <a:rPr lang="en-US" smtClean="0"/>
-              <a:t>4/25/2020</a:t>
+              <a:t>6/18/2022</a:t>
             </a:fld>
             <a:endParaRPr lang="en-US"/>
           </a:p>
@@ -655,7 +658,7 @@
           <a:p>
             <a:fld id="{2135634C-2FAC-4703-B651-C048B2E56F83}" type="datetimeFigureOut">
               <a:rPr lang="en-US" smtClean="0"/>
-              <a:t>4/25/2020</a:t>
+              <a:t>6/18/2022</a:t>
             </a:fld>
             <a:endParaRPr lang="en-US"/>
           </a:p>
@@ -825,7 +828,7 @@
           <a:p>
             <a:fld id="{2135634C-2FAC-4703-B651-C048B2E56F83}" type="datetimeFigureOut">
               <a:rPr lang="en-US" smtClean="0"/>
-              <a:t>4/25/2020</a:t>
+              <a:t>6/18/2022</a:t>
             </a:fld>
             <a:endParaRPr lang="en-US"/>
           </a:p>
@@ -1071,7 +1074,7 @@
           <a:p>
             <a:fld id="{2135634C-2FAC-4703-B651-C048B2E56F83}" type="datetimeFigureOut">
               <a:rPr lang="en-US" smtClean="0"/>
-              <a:t>4/25/2020</a:t>
+              <a:t>6/18/2022</a:t>
             </a:fld>
             <a:endParaRPr lang="en-US"/>
           </a:p>
@@ -1359,7 +1362,7 @@
           <a:p>
             <a:fld id="{2135634C-2FAC-4703-B651-C048B2E56F83}" type="datetimeFigureOut">
               <a:rPr lang="en-US" smtClean="0"/>
-              <a:t>4/25/2020</a:t>
+              <a:t>6/18/2022</a:t>
             </a:fld>
             <a:endParaRPr lang="en-US"/>
           </a:p>
@@ -1781,7 +1784,7 @@
           <a:p>
             <a:fld id="{2135634C-2FAC-4703-B651-C048B2E56F83}" type="datetimeFigureOut">
               <a:rPr lang="en-US" smtClean="0"/>
-              <a:t>4/25/2020</a:t>
+              <a:t>6/18/2022</a:t>
             </a:fld>
             <a:endParaRPr lang="en-US"/>
           </a:p>
@@ -1899,7 +1902,7 @@
           <a:p>
             <a:fld id="{2135634C-2FAC-4703-B651-C048B2E56F83}" type="datetimeFigureOut">
               <a:rPr lang="en-US" smtClean="0"/>
-              <a:t>4/25/2020</a:t>
+              <a:t>6/18/2022</a:t>
             </a:fld>
             <a:endParaRPr lang="en-US"/>
           </a:p>
@@ -1994,7 +1997,7 @@
           <a:p>
             <a:fld id="{2135634C-2FAC-4703-B651-C048B2E56F83}" type="datetimeFigureOut">
               <a:rPr lang="en-US" smtClean="0"/>
-              <a:t>4/25/2020</a:t>
+              <a:t>6/18/2022</a:t>
             </a:fld>
             <a:endParaRPr lang="en-US"/>
           </a:p>
@@ -2271,7 +2274,7 @@
           <a:p>
             <a:fld id="{2135634C-2FAC-4703-B651-C048B2E56F83}" type="datetimeFigureOut">
               <a:rPr lang="en-US" smtClean="0"/>
-              <a:t>4/25/2020</a:t>
+              <a:t>6/18/2022</a:t>
             </a:fld>
             <a:endParaRPr lang="en-US"/>
           </a:p>
@@ -2528,7 +2531,7 @@
           <a:p>
             <a:fld id="{2135634C-2FAC-4703-B651-C048B2E56F83}" type="datetimeFigureOut">
               <a:rPr lang="en-US" smtClean="0"/>
-              <a:t>4/25/2020</a:t>
+              <a:t>6/18/2022</a:t>
             </a:fld>
             <a:endParaRPr lang="en-US"/>
           </a:p>
@@ -2746,7 +2749,7 @@
           <a:p>
             <a:fld id="{2135634C-2FAC-4703-B651-C048B2E56F83}" type="datetimeFigureOut">
               <a:rPr lang="en-US" smtClean="0"/>
-              <a:t>4/25/2020</a:t>
+              <a:t>6/18/2022</a:t>
             </a:fld>
             <a:endParaRPr lang="en-US"/>
           </a:p>
@@ -3123,7 +3126,7 @@
       </p:grpSpPr>
       <p:sp>
         <p:nvSpPr>
-          <p:cNvPr id="4" name="Title 3"/>
+          <p:cNvPr id="4" name="標題 3"/>
           <p:cNvSpPr>
             <a:spLocks noGrp="1"/>
           </p:cNvSpPr>
@@ -3131,152 +3134,61 @@
             <p:ph type="title"/>
           </p:nvPr>
         </p:nvSpPr>
-        <p:spPr/>
+        <p:spPr>
+          <a:xfrm>
+            <a:off x="0" y="2660915"/>
+            <a:ext cx="12192000" cy="1143000"/>
+          </a:xfrm>
+        </p:spPr>
         <p:txBody>
           <a:bodyPr>
-            <a:normAutofit/>
+            <a:noAutofit/>
           </a:bodyPr>
           <a:lstStyle/>
           <a:p>
             <a:r>
-              <a:rPr lang="zh-TW" altLang="en-US" sz="4800" b="1" dirty="0" smtClean="0">
-                <a:latin typeface="Microsoft JhengHei" panose="020B0604030504040204" pitchFamily="34" charset="-120"/>
-                <a:ea typeface="Microsoft JhengHei" panose="020B0604030504040204" pitchFamily="34" charset="-120"/>
-              </a:rPr>
-              <a:t>神羔羊是萬王之王</a:t>
-            </a:r>
-            <a:endParaRPr lang="en-US" sz="4800" b="1" dirty="0">
-              <a:latin typeface="Microsoft JhengHei" panose="020B0604030504040204" pitchFamily="34" charset="-120"/>
-              <a:ea typeface="Microsoft JhengHei" panose="020B0604030504040204" pitchFamily="34" charset="-120"/>
-            </a:endParaRPr>
-          </a:p>
-        </p:txBody>
-      </p:sp>
-      <p:sp>
-        <p:nvSpPr>
-          <p:cNvPr id="5" name="Content Placeholder 4"/>
-          <p:cNvSpPr>
-            <a:spLocks noGrp="1"/>
-          </p:cNvSpPr>
-          <p:nvPr>
-            <p:ph idx="1"/>
-          </p:nvPr>
-        </p:nvSpPr>
-        <p:spPr/>
-        <p:txBody>
-          <a:bodyPr>
-            <a:normAutofit/>
-          </a:bodyPr>
-          <a:lstStyle/>
-          <a:p>
-            <a:pPr algn="ctr">
-              <a:buNone/>
-            </a:pPr>
-            <a:r>
-              <a:rPr lang="zh-TW" altLang="en-US" sz="5400" b="1" dirty="0">
-                <a:latin typeface="Microsoft JhengHei" panose="020B0604030504040204" pitchFamily="34" charset="-120"/>
-                <a:ea typeface="Microsoft JhengHei" panose="020B0604030504040204" pitchFamily="34" charset="-120"/>
-              </a:rPr>
-              <a:t>寶座前有眾水的</a:t>
-            </a:r>
-            <a:r>
-              <a:rPr lang="zh-TW" altLang="en-US" sz="5400" b="1" dirty="0">
-                <a:latin typeface="Microsoft JhengHei" panose="020B0604030504040204" pitchFamily="34" charset="-120"/>
-                <a:ea typeface="Microsoft JhengHei" panose="020B0604030504040204" pitchFamily="34" charset="-120"/>
-              </a:rPr>
-              <a:t>聲音</a:t>
-            </a:r>
-            <a:endParaRPr lang="en-US" altLang="zh-TW" sz="5400" b="1" dirty="0">
-              <a:latin typeface="Microsoft JhengHei" panose="020B0604030504040204" pitchFamily="34" charset="-120"/>
-              <a:ea typeface="Microsoft JhengHei" panose="020B0604030504040204" pitchFamily="34" charset="-120"/>
-            </a:endParaRPr>
-          </a:p>
-          <a:p>
-            <a:pPr algn="ctr">
-              <a:buNone/>
-            </a:pPr>
-            <a:r>
-              <a:rPr lang="zh-TW" altLang="en-US" sz="5400" b="1" dirty="0">
-                <a:latin typeface="Microsoft JhengHei" panose="020B0604030504040204" pitchFamily="34" charset="-120"/>
-                <a:ea typeface="Microsoft JhengHei" panose="020B0604030504040204" pitchFamily="34" charset="-120"/>
-              </a:rPr>
-              <a:t>榮</a:t>
-            </a:r>
-            <a:r>
-              <a:rPr lang="zh-TW" altLang="en-US" sz="5400" b="1" dirty="0">
-                <a:latin typeface="Microsoft JhengHei" panose="020B0604030504040204" pitchFamily="34" charset="-120"/>
-                <a:ea typeface="Microsoft JhengHei" panose="020B0604030504040204" pitchFamily="34" charset="-120"/>
-              </a:rPr>
-              <a:t>耀全能都歸羔</a:t>
-            </a:r>
-            <a:r>
-              <a:rPr lang="zh-TW" altLang="en-US" sz="5400" b="1" dirty="0">
-                <a:latin typeface="Microsoft JhengHei" panose="020B0604030504040204" pitchFamily="34" charset="-120"/>
-                <a:ea typeface="Microsoft JhengHei" panose="020B0604030504040204" pitchFamily="34" charset="-120"/>
-              </a:rPr>
-              <a:t>羊</a:t>
-            </a:r>
-            <a:endParaRPr lang="en-US" altLang="zh-TW" sz="5400" b="1" dirty="0">
-              <a:latin typeface="Microsoft JhengHei" panose="020B0604030504040204" pitchFamily="34" charset="-120"/>
-              <a:ea typeface="Microsoft JhengHei" panose="020B0604030504040204" pitchFamily="34" charset="-120"/>
-            </a:endParaRPr>
-          </a:p>
-          <a:p>
-            <a:pPr algn="ctr">
-              <a:buNone/>
-            </a:pPr>
-            <a:r>
-              <a:rPr lang="zh-TW" altLang="en-US" sz="5400" b="1" dirty="0">
-                <a:latin typeface="Microsoft JhengHei" panose="020B0604030504040204" pitchFamily="34" charset="-120"/>
-                <a:ea typeface="Microsoft JhengHei" panose="020B0604030504040204" pitchFamily="34" charset="-120"/>
-              </a:rPr>
-              <a:t>眾</a:t>
-            </a:r>
-            <a:r>
-              <a:rPr lang="zh-TW" altLang="en-US" sz="5400" b="1" dirty="0">
-                <a:latin typeface="Microsoft JhengHei" panose="020B0604030504040204" pitchFamily="34" charset="-120"/>
-                <a:ea typeface="Microsoft JhengHei" panose="020B0604030504040204" pitchFamily="34" charset="-120"/>
-              </a:rPr>
-              <a:t>天使都俯伏敬畏</a:t>
-            </a:r>
-            <a:r>
-              <a:rPr lang="zh-TW" altLang="en-US" sz="5400" b="1" dirty="0">
-                <a:latin typeface="Microsoft JhengHei" panose="020B0604030504040204" pitchFamily="34" charset="-120"/>
-                <a:ea typeface="Microsoft JhengHei" panose="020B0604030504040204" pitchFamily="34" charset="-120"/>
-              </a:rPr>
-              <a:t>祂</a:t>
-            </a:r>
-            <a:endParaRPr lang="en-US" altLang="zh-TW" sz="5400" b="1" dirty="0">
-              <a:latin typeface="Microsoft JhengHei" panose="020B0604030504040204" pitchFamily="34" charset="-120"/>
-              <a:ea typeface="Microsoft JhengHei" panose="020B0604030504040204" pitchFamily="34" charset="-120"/>
-            </a:endParaRPr>
-          </a:p>
-          <a:p>
-            <a:pPr algn="ctr">
-              <a:buNone/>
-            </a:pPr>
-            <a:r>
-              <a:rPr lang="zh-TW" altLang="en-US" sz="5400" b="1" dirty="0">
-                <a:latin typeface="Microsoft JhengHei" panose="020B0604030504040204" pitchFamily="34" charset="-120"/>
-                <a:ea typeface="Microsoft JhengHei" panose="020B0604030504040204" pitchFamily="34" charset="-120"/>
+              <a:rPr lang="zh-TW" altLang="en-US" sz="7200" b="1" i="1" dirty="0">
+                <a:solidFill>
+                  <a:srgbClr val="660033"/>
+                </a:solidFill>
+                <a:effectLst>
+                  <a:outerShdw blurRad="38100" dist="38100" dir="2700000" algn="tl">
+                    <a:srgbClr val="000000">
+                      <a:alpha val="43137"/>
+                    </a:srgbClr>
+                  </a:outerShdw>
+                </a:effectLst>
+                <a:latin typeface="微軟正黑體" pitchFamily="34" charset="-120"/>
+                <a:ea typeface="微軟正黑體" pitchFamily="34" charset="-120"/>
               </a:rPr>
               <a:t>神</a:t>
             </a:r>
             <a:r>
-              <a:rPr lang="zh-TW" altLang="en-US" sz="5400" b="1" dirty="0">
-                <a:latin typeface="Microsoft JhengHei" panose="020B0604030504040204" pitchFamily="34" charset="-120"/>
-                <a:ea typeface="Microsoft JhengHei" panose="020B0604030504040204" pitchFamily="34" charset="-120"/>
+              <a:rPr lang="zh-TW" altLang="en-US" sz="7200" b="1" i="1" dirty="0">
+                <a:solidFill>
+                  <a:srgbClr val="660033"/>
+                </a:solidFill>
+                <a:effectLst>
+                  <a:outerShdw blurRad="38100" dist="38100" dir="2700000" algn="tl">
+                    <a:srgbClr val="000000">
+                      <a:alpha val="43137"/>
+                    </a:srgbClr>
+                  </a:outerShdw>
+                </a:effectLst>
+                <a:latin typeface="微軟正黑體" pitchFamily="34" charset="-120"/>
+                <a:ea typeface="微軟正黑體" pitchFamily="34" charset="-120"/>
               </a:rPr>
               <a:t>羔羊是萬王之王</a:t>
             </a:r>
-            <a:endParaRPr lang="en-US" sz="5400" b="1" dirty="0">
-              <a:latin typeface="Microsoft JhengHei" panose="020B0604030504040204" pitchFamily="34" charset="-120"/>
-              <a:ea typeface="Microsoft JhengHei" panose="020B0604030504040204" pitchFamily="34" charset="-120"/>
-            </a:endParaRPr>
           </a:p>
         </p:txBody>
       </p:sp>
     </p:spTree>
+    <p:extLst>
+      <p:ext uri="{BB962C8B-B14F-4D97-AF65-F5344CB8AC3E}">
+        <p14:creationId xmlns:p14="http://schemas.microsoft.com/office/powerpoint/2010/main" val="1048602580"/>
+      </p:ext>
+    </p:extLst>
   </p:cSld>
   <p:clrMapOvr>
     <a:masterClrMapping/>
@@ -3303,29 +3215,224 @@
       </p:grpSpPr>
       <p:sp>
         <p:nvSpPr>
-          <p:cNvPr id="4" name="Title 3"/>
-          <p:cNvSpPr>
-            <a:spLocks noGrp="1"/>
-          </p:cNvSpPr>
-          <p:nvPr>
-            <p:ph type="title"/>
-          </p:nvPr>
-        </p:nvSpPr>
-        <p:spPr/>
-        <p:txBody>
-          <a:bodyPr>
+          <p:cNvPr id="5" name="內容版面配置區 4"/>
+          <p:cNvSpPr>
+            <a:spLocks noGrp="1"/>
+          </p:cNvSpPr>
+          <p:nvPr>
+            <p:ph idx="1"/>
+          </p:nvPr>
+        </p:nvSpPr>
+        <p:spPr>
+          <a:xfrm>
+            <a:off x="0" y="2084851"/>
+            <a:ext cx="12192000" cy="2404863"/>
+          </a:xfrm>
+        </p:spPr>
+        <p:txBody>
+          <a:bodyPr anchor="ctr">
             <a:normAutofit/>
           </a:bodyPr>
           <a:lstStyle/>
           <a:p>
-            <a:r>
-              <a:rPr lang="zh-TW" altLang="en-US" sz="4800" b="1" dirty="0">
+            <a:pPr algn="ctr">
+              <a:buNone/>
+            </a:pPr>
+            <a:r>
+              <a:rPr lang="zh-TW" altLang="en-US" sz="6400" b="1" dirty="0">
+                <a:solidFill>
+                  <a:srgbClr val="660033"/>
+                </a:solidFill>
+                <a:latin typeface="Microsoft JhengHei" panose="020B0604030504040204" pitchFamily="34" charset="-120"/>
+                <a:ea typeface="Microsoft JhengHei" panose="020B0604030504040204" pitchFamily="34" charset="-120"/>
+              </a:rPr>
+              <a:t>寶座前有眾水的聲音</a:t>
+            </a:r>
+            <a:endParaRPr lang="en-US" altLang="zh-TW" sz="6400" b="1" dirty="0">
+              <a:solidFill>
+                <a:srgbClr val="660033"/>
+              </a:solidFill>
+              <a:latin typeface="Microsoft JhengHei" panose="020B0604030504040204" pitchFamily="34" charset="-120"/>
+              <a:ea typeface="Microsoft JhengHei" panose="020B0604030504040204" pitchFamily="34" charset="-120"/>
+            </a:endParaRPr>
+          </a:p>
+          <a:p>
+            <a:pPr algn="ctr">
+              <a:buNone/>
+            </a:pPr>
+            <a:r>
+              <a:rPr lang="zh-TW" altLang="en-US" sz="6400" b="1" dirty="0">
+                <a:solidFill>
+                  <a:srgbClr val="660033"/>
+                </a:solidFill>
+                <a:latin typeface="Microsoft JhengHei" panose="020B0604030504040204" pitchFamily="34" charset="-120"/>
+                <a:ea typeface="Microsoft JhengHei" panose="020B0604030504040204" pitchFamily="34" charset="-120"/>
+              </a:rPr>
+              <a:t>榮耀全能都歸羔羊</a:t>
+            </a:r>
+            <a:endParaRPr lang="en-US" altLang="zh-TW" sz="6400" b="1" dirty="0">
+              <a:solidFill>
+                <a:srgbClr val="660033"/>
+              </a:solidFill>
+              <a:latin typeface="Microsoft JhengHei" panose="020B0604030504040204" pitchFamily="34" charset="-120"/>
+              <a:ea typeface="Microsoft JhengHei" panose="020B0604030504040204" pitchFamily="34" charset="-120"/>
+            </a:endParaRPr>
+          </a:p>
+        </p:txBody>
+      </p:sp>
+      <p:sp>
+        <p:nvSpPr>
+          <p:cNvPr id="3" name="TextBox 2"/>
+          <p:cNvSpPr txBox="1"/>
+          <p:nvPr/>
+        </p:nvSpPr>
+        <p:spPr>
+          <a:xfrm>
+            <a:off x="0" y="5157192"/>
+            <a:ext cx="12192000" cy="748988"/>
+          </a:xfrm>
+          <a:prstGeom prst="rect">
+            <a:avLst/>
+          </a:prstGeom>
+          <a:noFill/>
+        </p:spPr>
+        <p:txBody>
+          <a:bodyPr wrap="square" rtlCol="0">
+            <a:spAutoFit/>
+          </a:bodyPr>
+          <a:lstStyle/>
+          <a:p>
+            <a:pPr algn="ctr"/>
+            <a:r>
+              <a:rPr lang="en-US" sz="4267" b="1" dirty="0">
+                <a:solidFill>
+                  <a:srgbClr val="660033"/>
+                </a:solidFill>
+                <a:latin typeface="Microsoft JhengHei" panose="020B0604030504040204" pitchFamily="34" charset="-120"/>
+                <a:ea typeface="Microsoft JhengHei" panose="020B0604030504040204" pitchFamily="34" charset="-120"/>
+              </a:rPr>
+              <a:t>( </a:t>
+            </a:r>
+            <a:r>
+              <a:rPr lang="zh-CN" altLang="en-US" sz="4267" b="1" dirty="0">
+                <a:solidFill>
+                  <a:srgbClr val="660033"/>
+                </a:solidFill>
+                <a:latin typeface="Microsoft JhengHei" panose="020B0604030504040204" pitchFamily="34" charset="-120"/>
+                <a:ea typeface="Microsoft JhengHei" panose="020B0604030504040204" pitchFamily="34" charset="-120"/>
+              </a:rPr>
+              <a:t>正</a:t>
+            </a:r>
+            <a:r>
+              <a:rPr lang="en-US" sz="4267" b="1" dirty="0">
+                <a:solidFill>
+                  <a:srgbClr val="660033"/>
+                </a:solidFill>
+                <a:latin typeface="Microsoft JhengHei" panose="020B0604030504040204" pitchFamily="34" charset="-120"/>
+                <a:ea typeface="Microsoft JhengHei" panose="020B0604030504040204" pitchFamily="34" charset="-120"/>
+              </a:rPr>
+              <a:t> )</a:t>
+            </a:r>
+            <a:endParaRPr lang="vi-VN" sz="4267" b="1" dirty="0">
+              <a:solidFill>
+                <a:srgbClr val="660033"/>
+              </a:solidFill>
+              <a:ea typeface="Microsoft JhengHei" panose="020B0604030504040204" pitchFamily="34" charset="-120"/>
+            </a:endParaRPr>
+          </a:p>
+        </p:txBody>
+      </p:sp>
+    </p:spTree>
+    <p:extLst>
+      <p:ext uri="{BB962C8B-B14F-4D97-AF65-F5344CB8AC3E}">
+        <p14:creationId xmlns:p14="http://schemas.microsoft.com/office/powerpoint/2010/main" val="1246026221"/>
+      </p:ext>
+    </p:extLst>
+  </p:cSld>
+  <p:clrMapOvr>
+    <a:masterClrMapping/>
+  </p:clrMapOvr>
+</p:sld>
+</file>
+
+<file path=ppt/slides/slide3.xml><?xml version="1.0" encoding="utf-8"?>
+<p:sld xmlns:a="http://schemas.openxmlformats.org/drawingml/2006/main" xmlns:r="http://schemas.openxmlformats.org/officeDocument/2006/relationships" xmlns:p="http://schemas.openxmlformats.org/presentationml/2006/main">
+  <p:cSld>
+    <p:spTree>
+      <p:nvGrpSpPr>
+        <p:cNvPr id="1" name=""/>
+        <p:cNvGrpSpPr/>
+        <p:nvPr/>
+      </p:nvGrpSpPr>
+      <p:grpSpPr>
+        <a:xfrm>
+          <a:off x="0" y="0"/>
+          <a:ext cx="0" cy="0"/>
+          <a:chOff x="0" y="0"/>
+          <a:chExt cx="0" cy="0"/>
+        </a:xfrm>
+      </p:grpSpPr>
+      <p:sp>
+        <p:nvSpPr>
+          <p:cNvPr id="5" name="內容版面配置區 4"/>
+          <p:cNvSpPr>
+            <a:spLocks noGrp="1"/>
+          </p:cNvSpPr>
+          <p:nvPr>
+            <p:ph idx="1"/>
+          </p:nvPr>
+        </p:nvSpPr>
+        <p:spPr>
+          <a:xfrm>
+            <a:off x="0" y="2084851"/>
+            <a:ext cx="12192000" cy="2404863"/>
+          </a:xfrm>
+        </p:spPr>
+        <p:txBody>
+          <a:bodyPr anchor="ctr">
+            <a:normAutofit/>
+          </a:bodyPr>
+          <a:lstStyle/>
+          <a:p>
+            <a:pPr algn="ctr">
+              <a:buNone/>
+            </a:pPr>
+            <a:r>
+              <a:rPr lang="zh-TW" altLang="en-US" sz="6400" b="1" dirty="0">
+                <a:solidFill>
+                  <a:srgbClr val="660033"/>
+                </a:solidFill>
+                <a:latin typeface="Microsoft JhengHei" panose="020B0604030504040204" pitchFamily="34" charset="-120"/>
+                <a:ea typeface="Microsoft JhengHei" panose="020B0604030504040204" pitchFamily="34" charset="-120"/>
+              </a:rPr>
+              <a:t>眾天使都俯伏敬畏祂</a:t>
+            </a:r>
+            <a:endParaRPr lang="en-US" altLang="zh-TW" sz="6400" b="1" dirty="0">
+              <a:solidFill>
+                <a:srgbClr val="660033"/>
+              </a:solidFill>
+              <a:latin typeface="Microsoft JhengHei" panose="020B0604030504040204" pitchFamily="34" charset="-120"/>
+              <a:ea typeface="Microsoft JhengHei" panose="020B0604030504040204" pitchFamily="34" charset="-120"/>
+            </a:endParaRPr>
+          </a:p>
+          <a:p>
+            <a:pPr algn="ctr">
+              <a:buNone/>
+            </a:pPr>
+            <a:r>
+              <a:rPr lang="zh-TW" altLang="en-US" sz="6400" b="1" dirty="0">
+                <a:solidFill>
+                  <a:srgbClr val="660033"/>
+                </a:solidFill>
                 <a:latin typeface="Microsoft JhengHei" panose="020B0604030504040204" pitchFamily="34" charset="-120"/>
                 <a:ea typeface="Microsoft JhengHei" panose="020B0604030504040204" pitchFamily="34" charset="-120"/>
               </a:rPr>
               <a:t>神羔羊是萬王之王</a:t>
             </a:r>
-            <a:endParaRPr lang="en-US" sz="4800" b="1" dirty="0">
+            <a:endParaRPr lang="en-US" sz="6400" b="1" dirty="0">
+              <a:solidFill>
+                <a:srgbClr val="660033"/>
+              </a:solidFill>
               <a:latin typeface="Microsoft JhengHei" panose="020B0604030504040204" pitchFamily="34" charset="-120"/>
               <a:ea typeface="Microsoft JhengHei" panose="020B0604030504040204" pitchFamily="34" charset="-120"/>
             </a:endParaRPr>
@@ -3334,7 +3441,99 @@
       </p:sp>
       <p:sp>
         <p:nvSpPr>
-          <p:cNvPr id="5" name="Content Placeholder 4"/>
+          <p:cNvPr id="3" name="TextBox 2"/>
+          <p:cNvSpPr txBox="1"/>
+          <p:nvPr/>
+        </p:nvSpPr>
+        <p:spPr>
+          <a:xfrm>
+            <a:off x="0" y="5157192"/>
+            <a:ext cx="12192000" cy="748988"/>
+          </a:xfrm>
+          <a:prstGeom prst="rect">
+            <a:avLst/>
+          </a:prstGeom>
+          <a:noFill/>
+        </p:spPr>
+        <p:txBody>
+          <a:bodyPr wrap="square" rtlCol="0">
+            <a:spAutoFit/>
+          </a:bodyPr>
+          <a:lstStyle/>
+          <a:p>
+            <a:pPr algn="ctr"/>
+            <a:r>
+              <a:rPr lang="en-US" sz="4267" b="1" dirty="0">
+                <a:solidFill>
+                  <a:srgbClr val="660033"/>
+                </a:solidFill>
+                <a:latin typeface="Microsoft JhengHei" panose="020B0604030504040204" pitchFamily="34" charset="-120"/>
+                <a:ea typeface="Microsoft JhengHei" panose="020B0604030504040204" pitchFamily="34" charset="-120"/>
+              </a:rPr>
+              <a:t>( </a:t>
+            </a:r>
+            <a:r>
+              <a:rPr lang="zh-CN" altLang="en-US" sz="4267" b="1" dirty="0">
+                <a:solidFill>
+                  <a:srgbClr val="660033"/>
+                </a:solidFill>
+                <a:latin typeface="Microsoft JhengHei" panose="020B0604030504040204" pitchFamily="34" charset="-120"/>
+                <a:ea typeface="Microsoft JhengHei" panose="020B0604030504040204" pitchFamily="34" charset="-120"/>
+              </a:rPr>
+              <a:t>正</a:t>
+            </a:r>
+            <a:r>
+              <a:rPr lang="en-US" sz="4267" b="1" dirty="0">
+                <a:solidFill>
+                  <a:srgbClr val="660033"/>
+                </a:solidFill>
+                <a:latin typeface="Microsoft JhengHei" panose="020B0604030504040204" pitchFamily="34" charset="-120"/>
+                <a:ea typeface="Microsoft JhengHei" panose="020B0604030504040204" pitchFamily="34" charset="-120"/>
+              </a:rPr>
+              <a:t> )</a:t>
+            </a:r>
+            <a:endParaRPr lang="vi-VN" sz="4267" b="1" dirty="0">
+              <a:solidFill>
+                <a:srgbClr val="660033"/>
+              </a:solidFill>
+              <a:ea typeface="Microsoft JhengHei" panose="020B0604030504040204" pitchFamily="34" charset="-120"/>
+            </a:endParaRPr>
+          </a:p>
+        </p:txBody>
+      </p:sp>
+    </p:spTree>
+    <p:extLst>
+      <p:ext uri="{BB962C8B-B14F-4D97-AF65-F5344CB8AC3E}">
+        <p14:creationId xmlns:p14="http://schemas.microsoft.com/office/powerpoint/2010/main" val="2124333896"/>
+      </p:ext>
+    </p:extLst>
+  </p:cSld>
+  <p:clrMapOvr>
+    <a:masterClrMapping/>
+  </p:clrMapOvr>
+</p:sld>
+</file>
+
+<file path=ppt/slides/slide4.xml><?xml version="1.0" encoding="utf-8"?>
+<p:sld xmlns:a="http://schemas.openxmlformats.org/drawingml/2006/main" xmlns:r="http://schemas.openxmlformats.org/officeDocument/2006/relationships" xmlns:p="http://schemas.openxmlformats.org/presentationml/2006/main">
+  <p:cSld>
+    <p:spTree>
+      <p:nvGrpSpPr>
+        <p:cNvPr id="1" name=""/>
+        <p:cNvGrpSpPr/>
+        <p:nvPr/>
+      </p:nvGrpSpPr>
+      <p:grpSpPr>
+        <a:xfrm>
+          <a:off x="0" y="0"/>
+          <a:ext cx="0" cy="0"/>
+          <a:chOff x="0" y="0"/>
+          <a:chExt cx="0" cy="0"/>
+        </a:xfrm>
+      </p:grpSpPr>
+      <p:sp>
+        <p:nvSpPr>
+          <p:cNvPr id="5" name="內容版面配置區 4"/>
           <p:cNvSpPr>
             <a:spLocks noGrp="1"/>
           </p:cNvSpPr>
@@ -3342,9 +3541,14 @@
             <p:ph idx="1"/>
           </p:nvPr>
         </p:nvSpPr>
-        <p:spPr/>
-        <p:txBody>
-          <a:bodyPr>
+        <p:spPr>
+          <a:xfrm>
+            <a:off x="0" y="2084851"/>
+            <a:ext cx="12192000" cy="2404863"/>
+          </a:xfrm>
+        </p:spPr>
+        <p:txBody>
+          <a:bodyPr anchor="ctr">
             <a:normAutofit/>
           </a:bodyPr>
           <a:lstStyle/>
@@ -3353,13 +3557,19 @@
               <a:buNone/>
             </a:pPr>
             <a:r>
-              <a:rPr lang="zh-TW" altLang="en-US" sz="5400" b="1" dirty="0">
+              <a:rPr lang="zh-TW" altLang="en-US" sz="6400" b="1" dirty="0">
+                <a:solidFill>
+                  <a:srgbClr val="660033"/>
+                </a:solidFill>
                 <a:latin typeface="Microsoft JhengHei" panose="020B0604030504040204" pitchFamily="34" charset="-120"/>
                 <a:ea typeface="Microsoft JhengHei" panose="020B0604030504040204" pitchFamily="34" charset="-120"/>
               </a:rPr>
               <a:t>哈利路亞　榮耀歸祂</a:t>
             </a:r>
-            <a:endParaRPr lang="en-US" altLang="zh-TW" sz="5400" b="1" dirty="0">
+            <a:endParaRPr lang="en-US" altLang="zh-TW" sz="6400" b="1" dirty="0">
+              <a:solidFill>
+                <a:srgbClr val="660033"/>
+              </a:solidFill>
               <a:latin typeface="Microsoft JhengHei" panose="020B0604030504040204" pitchFamily="34" charset="-120"/>
               <a:ea typeface="Microsoft JhengHei" panose="020B0604030504040204" pitchFamily="34" charset="-120"/>
             </a:endParaRPr>
@@ -3369,29 +3579,156 @@
               <a:buNone/>
             </a:pPr>
             <a:r>
-              <a:rPr lang="zh-TW" altLang="en-US" sz="5400" b="1" dirty="0">
+              <a:rPr lang="zh-TW" altLang="en-US" sz="6400" b="1" dirty="0">
+                <a:solidFill>
+                  <a:srgbClr val="660033"/>
+                </a:solidFill>
                 <a:latin typeface="Microsoft JhengHei" panose="020B0604030504040204" pitchFamily="34" charset="-120"/>
                 <a:ea typeface="Microsoft JhengHei" panose="020B0604030504040204" pitchFamily="34" charset="-120"/>
               </a:rPr>
               <a:t>神羔羊已全然得勝</a:t>
             </a:r>
-            <a:endParaRPr lang="en-US" altLang="zh-TW" sz="5400" b="1" dirty="0">
+            <a:endParaRPr lang="en-US" altLang="zh-TW" sz="6400" b="1" dirty="0">
+              <a:solidFill>
+                <a:srgbClr val="660033"/>
+              </a:solidFill>
               <a:latin typeface="Microsoft JhengHei" panose="020B0604030504040204" pitchFamily="34" charset="-120"/>
               <a:ea typeface="Microsoft JhengHei" panose="020B0604030504040204" pitchFamily="34" charset="-120"/>
             </a:endParaRPr>
           </a:p>
+        </p:txBody>
+      </p:sp>
+      <p:sp>
+        <p:nvSpPr>
+          <p:cNvPr id="3" name="TextBox 2"/>
+          <p:cNvSpPr txBox="1"/>
+          <p:nvPr/>
+        </p:nvSpPr>
+        <p:spPr>
+          <a:xfrm>
+            <a:off x="0" y="5157192"/>
+            <a:ext cx="12192000" cy="748988"/>
+          </a:xfrm>
+          <a:prstGeom prst="rect">
+            <a:avLst/>
+          </a:prstGeom>
+          <a:noFill/>
+        </p:spPr>
+        <p:txBody>
+          <a:bodyPr wrap="square" rtlCol="0">
+            <a:spAutoFit/>
+          </a:bodyPr>
+          <a:lstStyle/>
+          <a:p>
+            <a:pPr algn="ctr"/>
+            <a:r>
+              <a:rPr lang="en-US" sz="4267" b="1" dirty="0">
+                <a:solidFill>
+                  <a:srgbClr val="660033"/>
+                </a:solidFill>
+                <a:latin typeface="Microsoft JhengHei" panose="020B0604030504040204" pitchFamily="34" charset="-120"/>
+                <a:ea typeface="Microsoft JhengHei" panose="020B0604030504040204" pitchFamily="34" charset="-120"/>
+              </a:rPr>
+              <a:t>( </a:t>
+            </a:r>
+            <a:r>
+              <a:rPr lang="zh-CN" altLang="en-US" sz="4267" b="1" dirty="0">
+                <a:solidFill>
+                  <a:srgbClr val="660033"/>
+                </a:solidFill>
+                <a:latin typeface="Microsoft JhengHei" panose="020B0604030504040204" pitchFamily="34" charset="-120"/>
+                <a:ea typeface="Microsoft JhengHei" panose="020B0604030504040204" pitchFamily="34" charset="-120"/>
+              </a:rPr>
+              <a:t>副</a:t>
+            </a:r>
+            <a:r>
+              <a:rPr lang="en-US" sz="4267" b="1" dirty="0">
+                <a:solidFill>
+                  <a:srgbClr val="660033"/>
+                </a:solidFill>
+                <a:latin typeface="Microsoft JhengHei" panose="020B0604030504040204" pitchFamily="34" charset="-120"/>
+                <a:ea typeface="Microsoft JhengHei" panose="020B0604030504040204" pitchFamily="34" charset="-120"/>
+              </a:rPr>
+              <a:t> )</a:t>
+            </a:r>
+            <a:endParaRPr lang="vi-VN" sz="4267" b="1" dirty="0">
+              <a:solidFill>
+                <a:srgbClr val="660033"/>
+              </a:solidFill>
+              <a:ea typeface="Microsoft JhengHei" panose="020B0604030504040204" pitchFamily="34" charset="-120"/>
+            </a:endParaRPr>
+          </a:p>
+        </p:txBody>
+      </p:sp>
+    </p:spTree>
+    <p:extLst>
+      <p:ext uri="{BB962C8B-B14F-4D97-AF65-F5344CB8AC3E}">
+        <p14:creationId xmlns:p14="http://schemas.microsoft.com/office/powerpoint/2010/main" val="4082974158"/>
+      </p:ext>
+    </p:extLst>
+  </p:cSld>
+  <p:clrMapOvr>
+    <a:masterClrMapping/>
+  </p:clrMapOvr>
+</p:sld>
+</file>
+
+<file path=ppt/slides/slide5.xml><?xml version="1.0" encoding="utf-8"?>
+<p:sld xmlns:a="http://schemas.openxmlformats.org/drawingml/2006/main" xmlns:r="http://schemas.openxmlformats.org/officeDocument/2006/relationships" xmlns:p="http://schemas.openxmlformats.org/presentationml/2006/main">
+  <p:cSld>
+    <p:spTree>
+      <p:nvGrpSpPr>
+        <p:cNvPr id="1" name=""/>
+        <p:cNvGrpSpPr/>
+        <p:nvPr/>
+      </p:nvGrpSpPr>
+      <p:grpSpPr>
+        <a:xfrm>
+          <a:off x="0" y="0"/>
+          <a:ext cx="0" cy="0"/>
+          <a:chOff x="0" y="0"/>
+          <a:chExt cx="0" cy="0"/>
+        </a:xfrm>
+      </p:grpSpPr>
+      <p:sp>
+        <p:nvSpPr>
+          <p:cNvPr id="5" name="內容版面配置區 4"/>
+          <p:cNvSpPr>
+            <a:spLocks noGrp="1"/>
+          </p:cNvSpPr>
+          <p:nvPr>
+            <p:ph idx="1"/>
+          </p:nvPr>
+        </p:nvSpPr>
+        <p:spPr>
+          <a:xfrm>
+            <a:off x="0" y="2084851"/>
+            <a:ext cx="12192000" cy="2404863"/>
+          </a:xfrm>
+        </p:spPr>
+        <p:txBody>
+          <a:bodyPr anchor="ctr">
+            <a:normAutofit/>
+          </a:bodyPr>
+          <a:lstStyle/>
           <a:p>
             <a:pPr algn="ctr">
               <a:buNone/>
             </a:pPr>
             <a:r>
-              <a:rPr lang="zh-TW" altLang="en-US" sz="5400" b="1" dirty="0">
+              <a:rPr lang="zh-TW" altLang="en-US" sz="6400" b="1" dirty="0">
+                <a:solidFill>
+                  <a:srgbClr val="660033"/>
+                </a:solidFill>
                 <a:latin typeface="Microsoft JhengHei" panose="020B0604030504040204" pitchFamily="34" charset="-120"/>
                 <a:ea typeface="Microsoft JhengHei" panose="020B0604030504040204" pitchFamily="34" charset="-120"/>
               </a:rPr>
               <a:t>哈利路亞　榮耀歸祂</a:t>
             </a:r>
-            <a:endParaRPr lang="en-US" altLang="zh-TW" sz="5400" b="1" dirty="0">
+            <a:endParaRPr lang="en-US" altLang="zh-TW" sz="6400" b="1" dirty="0">
+              <a:solidFill>
+                <a:srgbClr val="660033"/>
+              </a:solidFill>
               <a:latin typeface="Microsoft JhengHei" panose="020B0604030504040204" pitchFamily="34" charset="-120"/>
               <a:ea typeface="Microsoft JhengHei" panose="020B0604030504040204" pitchFamily="34" charset="-120"/>
             </a:endParaRPr>
@@ -3401,20 +3738,93 @@
               <a:buNone/>
             </a:pPr>
             <a:r>
-              <a:rPr lang="zh-TW" altLang="en-US" sz="5400" b="1" dirty="0">
+              <a:rPr lang="zh-TW" altLang="en-US" sz="6400" b="1" dirty="0">
+                <a:solidFill>
+                  <a:srgbClr val="660033"/>
+                </a:solidFill>
                 <a:latin typeface="Microsoft JhengHei" panose="020B0604030504040204" pitchFamily="34" charset="-120"/>
                 <a:ea typeface="Microsoft JhengHei" panose="020B0604030504040204" pitchFamily="34" charset="-120"/>
               </a:rPr>
               <a:t>神羔羊是萬王之王</a:t>
             </a:r>
-            <a:endParaRPr lang="en-US" sz="5400" b="1" dirty="0">
+            <a:endParaRPr lang="en-US" sz="6400" b="1" dirty="0">
+              <a:solidFill>
+                <a:srgbClr val="660033"/>
+              </a:solidFill>
               <a:latin typeface="Microsoft JhengHei" panose="020B0604030504040204" pitchFamily="34" charset="-120"/>
               <a:ea typeface="Microsoft JhengHei" panose="020B0604030504040204" pitchFamily="34" charset="-120"/>
             </a:endParaRPr>
           </a:p>
         </p:txBody>
       </p:sp>
+      <p:sp>
+        <p:nvSpPr>
+          <p:cNvPr id="3" name="TextBox 2"/>
+          <p:cNvSpPr txBox="1"/>
+          <p:nvPr/>
+        </p:nvSpPr>
+        <p:spPr>
+          <a:xfrm>
+            <a:off x="0" y="5157192"/>
+            <a:ext cx="12192000" cy="748988"/>
+          </a:xfrm>
+          <a:prstGeom prst="rect">
+            <a:avLst/>
+          </a:prstGeom>
+          <a:noFill/>
+        </p:spPr>
+        <p:txBody>
+          <a:bodyPr wrap="square" rtlCol="0">
+            <a:spAutoFit/>
+          </a:bodyPr>
+          <a:lstStyle/>
+          <a:p>
+            <a:pPr algn="ctr"/>
+            <a:r>
+              <a:rPr lang="en-US" sz="4267" b="1" dirty="0">
+                <a:solidFill>
+                  <a:srgbClr val="660033"/>
+                </a:solidFill>
+                <a:latin typeface="Microsoft JhengHei" panose="020B0604030504040204" pitchFamily="34" charset="-120"/>
+                <a:ea typeface="Microsoft JhengHei" panose="020B0604030504040204" pitchFamily="34" charset="-120"/>
+              </a:rPr>
+              <a:t>( </a:t>
+            </a:r>
+            <a:r>
+              <a:rPr lang="zh-CN" altLang="en-US" sz="4267" b="1" dirty="0">
+                <a:solidFill>
+                  <a:srgbClr val="660033"/>
+                </a:solidFill>
+                <a:latin typeface="Microsoft JhengHei" panose="020B0604030504040204" pitchFamily="34" charset="-120"/>
+                <a:ea typeface="Microsoft JhengHei" panose="020B0604030504040204" pitchFamily="34" charset="-120"/>
+              </a:rPr>
+              <a:t>副</a:t>
+            </a:r>
+            <a:r>
+              <a:rPr lang="en-US" sz="4267" b="1" dirty="0">
+                <a:solidFill>
+                  <a:srgbClr val="660033"/>
+                </a:solidFill>
+                <a:latin typeface="Microsoft JhengHei" panose="020B0604030504040204" pitchFamily="34" charset="-120"/>
+                <a:ea typeface="Microsoft JhengHei" panose="020B0604030504040204" pitchFamily="34" charset="-120"/>
+              </a:rPr>
+              <a:t> )</a:t>
+            </a:r>
+            <a:endParaRPr lang="vi-VN" sz="4267" b="1" dirty="0">
+              <a:solidFill>
+                <a:srgbClr val="660033"/>
+              </a:solidFill>
+              <a:ea typeface="Microsoft JhengHei" panose="020B0604030504040204" pitchFamily="34" charset="-120"/>
+            </a:endParaRPr>
+          </a:p>
+        </p:txBody>
+      </p:sp>
     </p:spTree>
+    <p:extLst>
+      <p:ext uri="{BB962C8B-B14F-4D97-AF65-F5344CB8AC3E}">
+        <p14:creationId xmlns:p14="http://schemas.microsoft.com/office/powerpoint/2010/main" val="3408606023"/>
+      </p:ext>
+    </p:extLst>
   </p:cSld>
   <p:clrMapOvr>
     <a:masterClrMapping/>
